--- a/qPCR validation/qPCR-Validation.pptx
+++ b/qPCR validation/qPCR-Validation.pptx
@@ -13,9 +13,9 @@
     <p:sldId id="256" r:id="rId4"/>
     <p:sldId id="257" r:id="rId5"/>
     <p:sldId id="260" r:id="rId6"/>
-    <p:sldId id="262" r:id="rId7"/>
-    <p:sldId id="263" r:id="rId8"/>
-    <p:sldId id="261" r:id="rId9"/>
+    <p:sldId id="263" r:id="rId7"/>
+    <p:sldId id="262" r:id="rId8"/>
+    <p:sldId id="264" r:id="rId9"/>
   </p:sldIdLst>
   <p:sldSz cx="12192000" cy="6858000"/>
   <p:notesSz cx="6858000" cy="9144000"/>
@@ -216,7 +216,7 @@
           <a:p>
             <a:fld id="{287CCA41-0093-4BFB-A007-59DCDBD5B21F}" type="datetimeFigureOut">
               <a:rPr lang="en-US" smtClean="0"/>
-              <a:t>12/9/2020</a:t>
+              <a:t>12/13/2020</a:t>
             </a:fld>
             <a:endParaRPr lang="en-US"/>
           </a:p>
@@ -875,7 +875,7 @@
           <a:p>
             <a:fld id="{D3E71BF4-18BE-4437-9EA8-9E1F8EFE1093}" type="datetimeFigureOut">
               <a:rPr lang="en-US" smtClean="0"/>
-              <a:t>12/9/2020</a:t>
+              <a:t>12/13/2020</a:t>
             </a:fld>
             <a:endParaRPr lang="en-US"/>
           </a:p>
@@ -1045,7 +1045,7 @@
           <a:p>
             <a:fld id="{D3E71BF4-18BE-4437-9EA8-9E1F8EFE1093}" type="datetimeFigureOut">
               <a:rPr lang="en-US" smtClean="0"/>
-              <a:t>12/9/2020</a:t>
+              <a:t>12/13/2020</a:t>
             </a:fld>
             <a:endParaRPr lang="en-US"/>
           </a:p>
@@ -1225,7 +1225,7 @@
           <a:p>
             <a:fld id="{D3E71BF4-18BE-4437-9EA8-9E1F8EFE1093}" type="datetimeFigureOut">
               <a:rPr lang="en-US" smtClean="0"/>
-              <a:t>12/9/2020</a:t>
+              <a:t>12/13/2020</a:t>
             </a:fld>
             <a:endParaRPr lang="en-US"/>
           </a:p>
@@ -1395,7 +1395,7 @@
           <a:p>
             <a:fld id="{D3E71BF4-18BE-4437-9EA8-9E1F8EFE1093}" type="datetimeFigureOut">
               <a:rPr lang="en-US" smtClean="0"/>
-              <a:t>12/9/2020</a:t>
+              <a:t>12/13/2020</a:t>
             </a:fld>
             <a:endParaRPr lang="en-US"/>
           </a:p>
@@ -1653,7 +1653,7 @@
           <a:p>
             <a:fld id="{D3E71BF4-18BE-4437-9EA8-9E1F8EFE1093}" type="datetimeFigureOut">
               <a:rPr lang="en-US" smtClean="0"/>
-              <a:t>12/9/2020</a:t>
+              <a:t>12/13/2020</a:t>
             </a:fld>
             <a:endParaRPr lang="en-US"/>
           </a:p>
@@ -1941,7 +1941,7 @@
           <a:p>
             <a:fld id="{D3E71BF4-18BE-4437-9EA8-9E1F8EFE1093}" type="datetimeFigureOut">
               <a:rPr lang="en-US" smtClean="0"/>
-              <a:t>12/9/2020</a:t>
+              <a:t>12/13/2020</a:t>
             </a:fld>
             <a:endParaRPr lang="en-US"/>
           </a:p>
@@ -2383,7 +2383,7 @@
           <a:p>
             <a:fld id="{D3E71BF4-18BE-4437-9EA8-9E1F8EFE1093}" type="datetimeFigureOut">
               <a:rPr lang="en-US" smtClean="0"/>
-              <a:t>12/9/2020</a:t>
+              <a:t>12/13/2020</a:t>
             </a:fld>
             <a:endParaRPr lang="en-US"/>
           </a:p>
@@ -2501,7 +2501,7 @@
           <a:p>
             <a:fld id="{D3E71BF4-18BE-4437-9EA8-9E1F8EFE1093}" type="datetimeFigureOut">
               <a:rPr lang="en-US" smtClean="0"/>
-              <a:t>12/9/2020</a:t>
+              <a:t>12/13/2020</a:t>
             </a:fld>
             <a:endParaRPr lang="en-US"/>
           </a:p>
@@ -2596,7 +2596,7 @@
           <a:p>
             <a:fld id="{D3E71BF4-18BE-4437-9EA8-9E1F8EFE1093}" type="datetimeFigureOut">
               <a:rPr lang="en-US" smtClean="0"/>
-              <a:t>12/9/2020</a:t>
+              <a:t>12/13/2020</a:t>
             </a:fld>
             <a:endParaRPr lang="en-US"/>
           </a:p>
@@ -2884,7 +2884,7 @@
           <a:p>
             <a:fld id="{D3E71BF4-18BE-4437-9EA8-9E1F8EFE1093}" type="datetimeFigureOut">
               <a:rPr lang="en-US" smtClean="0"/>
-              <a:t>12/9/2020</a:t>
+              <a:t>12/13/2020</a:t>
             </a:fld>
             <a:endParaRPr lang="en-US"/>
           </a:p>
@@ -3157,7 +3157,7 @@
           <a:p>
             <a:fld id="{D3E71BF4-18BE-4437-9EA8-9E1F8EFE1093}" type="datetimeFigureOut">
               <a:rPr lang="en-US" smtClean="0"/>
-              <a:t>12/9/2020</a:t>
+              <a:t>12/13/2020</a:t>
             </a:fld>
             <a:endParaRPr lang="en-US"/>
           </a:p>
@@ -3454,7 +3454,7 @@
           <a:p>
             <a:fld id="{D3E71BF4-18BE-4437-9EA8-9E1F8EFE1093}" type="datetimeFigureOut">
               <a:rPr lang="en-US" smtClean="0"/>
-              <a:t>12/9/2020</a:t>
+              <a:t>12/13/2020</a:t>
             </a:fld>
             <a:endParaRPr lang="en-US"/>
           </a:p>
@@ -4086,8 +4086,8 @@
               <a:buChar char="§"/>
             </a:pPr>
             <a:r>
-              <a:rPr lang="en-US" dirty="0"/>
-              <a:t>Solanum. tuberosum </a:t>
+              <a:rPr lang="en-US" i="1" dirty="0"/>
+              <a:t>Solanum tuberosum </a:t>
             </a:r>
           </a:p>
           <a:p>
@@ -4096,14 +4096,14 @@
               <a:buChar char="§"/>
             </a:pPr>
             <a:r>
-              <a:rPr lang="en-US" dirty="0"/>
-              <a:t>Brassica. </a:t>
-            </a:r>
-            <a:r>
-              <a:rPr lang="en-US" dirty="0" err="1"/>
+              <a:rPr lang="en-US" i="1" dirty="0"/>
+              <a:t>Brassica </a:t>
+            </a:r>
+            <a:r>
+              <a:rPr lang="en-US" i="1" dirty="0" err="1"/>
               <a:t>juncea</a:t>
             </a:r>
-            <a:endParaRPr lang="en-US" dirty="0"/>
+            <a:endParaRPr lang="en-US" i="1" dirty="0"/>
           </a:p>
         </p:txBody>
       </p:sp>
@@ -4265,15 +4265,7 @@
             </a:r>
             <a:r>
               <a:rPr lang="en-US" dirty="0"/>
-              <a:t>-PCR: following </a:t>
-            </a:r>
-            <a:r>
-              <a:rPr lang="en-US" dirty="0" err="1"/>
-              <a:t>Jennes’s</a:t>
-            </a:r>
-            <a:r>
-              <a:rPr lang="en-US" dirty="0"/>
-              <a:t> protocol</a:t>
+              <a:t>-PCR</a:t>
             </a:r>
           </a:p>
           <a:p>
@@ -4969,8 +4961,8 @@
         </p:blipFill>
         <p:spPr bwMode="auto">
           <a:xfrm>
-            <a:off x="4890977" y="1222744"/>
-            <a:ext cx="7170394" cy="4954772"/>
+            <a:off x="4085863" y="1099595"/>
+            <a:ext cx="7975508" cy="5077921"/>
           </a:xfrm>
           <a:prstGeom prst="rect">
             <a:avLst/>
@@ -5582,12 +5574,94 @@
           <a:chExt cx="0" cy="0"/>
         </a:xfrm>
       </p:grpSpPr>
+      <p:sp>
+        <p:nvSpPr>
+          <p:cNvPr id="2" name="TextBox 1">
+            <a:extLst>
+              <a:ext uri="{FF2B5EF4-FFF2-40B4-BE49-F238E27FC236}">
+                <a16:creationId xmlns:a16="http://schemas.microsoft.com/office/drawing/2014/main" id="{7773FF0D-D13F-41E0-BFA5-B7CD8E2216C6}"/>
+              </a:ext>
+            </a:extLst>
+          </p:cNvPr>
+          <p:cNvSpPr txBox="1"/>
+          <p:nvPr/>
+        </p:nvSpPr>
+        <p:spPr>
+          <a:xfrm>
+            <a:off x="3603581" y="359418"/>
+            <a:ext cx="6472237" cy="400110"/>
+          </a:xfrm>
+          <a:prstGeom prst="rect">
+            <a:avLst/>
+          </a:prstGeom>
+          <a:noFill/>
+        </p:spPr>
+        <p:txBody>
+          <a:bodyPr wrap="square" rtlCol="0">
+            <a:spAutoFit/>
+          </a:bodyPr>
+          <a:lstStyle/>
+          <a:p>
+            <a:r>
+              <a:rPr lang="en-US" sz="2000" b="1" dirty="0"/>
+              <a:t>Solanum and Brassica genes with opposite results</a:t>
+            </a:r>
+          </a:p>
+        </p:txBody>
+      </p:sp>
+      <p:sp>
+        <p:nvSpPr>
+          <p:cNvPr id="3" name="TextBox 2">
+            <a:extLst>
+              <a:ext uri="{FF2B5EF4-FFF2-40B4-BE49-F238E27FC236}">
+                <a16:creationId xmlns:a16="http://schemas.microsoft.com/office/drawing/2014/main" id="{C66CC273-363E-4015-AE82-C5CFB2436B07}"/>
+              </a:ext>
+            </a:extLst>
+          </p:cNvPr>
+          <p:cNvSpPr txBox="1"/>
+          <p:nvPr/>
+        </p:nvSpPr>
+        <p:spPr>
+          <a:xfrm>
+            <a:off x="279412" y="4368156"/>
+            <a:ext cx="6560288" cy="923330"/>
+          </a:xfrm>
+          <a:prstGeom prst="rect">
+            <a:avLst/>
+          </a:prstGeom>
+          <a:noFill/>
+        </p:spPr>
+        <p:txBody>
+          <a:bodyPr wrap="square" rtlCol="0">
+            <a:spAutoFit/>
+          </a:bodyPr>
+          <a:lstStyle/>
+          <a:p>
+            <a:r>
+              <a:rPr lang="en-US" dirty="0"/>
+              <a:t>Out of 27 genes,  6 not validated (Wang et al. 2016)</a:t>
+            </a:r>
+          </a:p>
+          <a:p>
+            <a:r>
+              <a:rPr lang="en-US" dirty="0"/>
+              <a:t>14 out of 18 validated (Guo et al 2017)</a:t>
+            </a:r>
+          </a:p>
+          <a:p>
+            <a:r>
+              <a:rPr lang="en-US" dirty="0"/>
+              <a:t> </a:t>
+            </a:r>
+          </a:p>
+        </p:txBody>
+      </p:sp>
       <p:pic>
         <p:nvPicPr>
-          <p:cNvPr id="3" name="Picture 2">
+          <p:cNvPr id="6" name="Picture 5">
             <a:extLst>
               <a:ext uri="{FF2B5EF4-FFF2-40B4-BE49-F238E27FC236}">
-                <a16:creationId xmlns:a16="http://schemas.microsoft.com/office/drawing/2014/main" id="{D79A008B-ED95-4218-8ECF-E34B694A83EB}"/>
+                <a16:creationId xmlns:a16="http://schemas.microsoft.com/office/drawing/2014/main" id="{CB6AD404-1A5A-45D1-9A55-CA7303EA642C}"/>
               </a:ext>
             </a:extLst>
           </p:cNvPr>
@@ -5604,133 +5678,8 @@
         </p:blipFill>
         <p:spPr>
           <a:xfrm>
-            <a:off x="507781" y="1259399"/>
-            <a:ext cx="4271175" cy="5598601"/>
-          </a:xfrm>
-          <a:prstGeom prst="rect">
-            <a:avLst/>
-          </a:prstGeom>
-        </p:spPr>
-      </p:pic>
-      <p:pic>
-        <p:nvPicPr>
-          <p:cNvPr id="4" name="Picture 3">
-            <a:extLst>
-              <a:ext uri="{FF2B5EF4-FFF2-40B4-BE49-F238E27FC236}">
-                <a16:creationId xmlns:a16="http://schemas.microsoft.com/office/drawing/2014/main" id="{FF027FED-8454-4881-B26B-49221ED5B9CA}"/>
-              </a:ext>
-            </a:extLst>
-          </p:cNvPr>
-          <p:cNvPicPr>
-            <a:picLocks noChangeAspect="1"/>
-          </p:cNvPicPr>
-          <p:nvPr/>
-        </p:nvPicPr>
-        <p:blipFill>
-          <a:blip r:embed="rId3"/>
-          <a:stretch>
-            <a:fillRect/>
-          </a:stretch>
-        </p:blipFill>
-        <p:spPr>
-          <a:xfrm>
-            <a:off x="7330424" y="1259398"/>
-            <a:ext cx="4861576" cy="5598601"/>
-          </a:xfrm>
-          <a:prstGeom prst="rect">
-            <a:avLst/>
-          </a:prstGeom>
-        </p:spPr>
-      </p:pic>
-      <p:sp>
-        <p:nvSpPr>
-          <p:cNvPr id="5" name="TextBox 4">
-            <a:extLst>
-              <a:ext uri="{FF2B5EF4-FFF2-40B4-BE49-F238E27FC236}">
-                <a16:creationId xmlns:a16="http://schemas.microsoft.com/office/drawing/2014/main" id="{B506A3AE-7324-4F8F-9518-E2812BB0531A}"/>
-              </a:ext>
-            </a:extLst>
-          </p:cNvPr>
-          <p:cNvSpPr txBox="1"/>
-          <p:nvPr/>
-        </p:nvSpPr>
-        <p:spPr>
-          <a:xfrm>
-            <a:off x="4229099" y="0"/>
-            <a:ext cx="4271175" cy="400110"/>
-          </a:xfrm>
-          <a:prstGeom prst="rect">
-            <a:avLst/>
-          </a:prstGeom>
-          <a:noFill/>
-        </p:spPr>
-        <p:txBody>
-          <a:bodyPr wrap="square" rtlCol="0">
-            <a:spAutoFit/>
-          </a:bodyPr>
-          <a:lstStyle/>
-          <a:p>
-            <a:r>
-              <a:rPr lang="en-US" sz="2000" b="1" dirty="0"/>
-              <a:t>Brassica genes with no amplification</a:t>
-            </a:r>
-          </a:p>
-        </p:txBody>
-      </p:sp>
-      <p:pic>
-        <p:nvPicPr>
-          <p:cNvPr id="6" name="Picture 5">
-            <a:extLst>
-              <a:ext uri="{FF2B5EF4-FFF2-40B4-BE49-F238E27FC236}">
-                <a16:creationId xmlns:a16="http://schemas.microsoft.com/office/drawing/2014/main" id="{915EB355-CFDE-454C-BBBB-EBE4C70114A5}"/>
-              </a:ext>
-            </a:extLst>
-          </p:cNvPr>
-          <p:cNvPicPr>
-            <a:picLocks noChangeAspect="1"/>
-          </p:cNvPicPr>
-          <p:nvPr/>
-        </p:nvPicPr>
-        <p:blipFill>
-          <a:blip r:embed="rId4"/>
-          <a:stretch>
-            <a:fillRect/>
-          </a:stretch>
-        </p:blipFill>
-        <p:spPr>
-          <a:xfrm>
-            <a:off x="4740944" y="1259398"/>
-            <a:ext cx="1615818" cy="2781753"/>
-          </a:xfrm>
-          <a:prstGeom prst="rect">
-            <a:avLst/>
-          </a:prstGeom>
-        </p:spPr>
-      </p:pic>
-      <p:pic>
-        <p:nvPicPr>
-          <p:cNvPr id="7" name="Picture 6">
-            <a:extLst>
-              <a:ext uri="{FF2B5EF4-FFF2-40B4-BE49-F238E27FC236}">
-                <a16:creationId xmlns:a16="http://schemas.microsoft.com/office/drawing/2014/main" id="{9E8D1D0A-9BCD-4297-AFD2-2FAA05E6F8CA}"/>
-              </a:ext>
-            </a:extLst>
-          </p:cNvPr>
-          <p:cNvPicPr>
-            <a:picLocks noChangeAspect="1"/>
-          </p:cNvPicPr>
-          <p:nvPr/>
-        </p:nvPicPr>
-        <p:blipFill>
-          <a:blip r:embed="rId5"/>
-          <a:stretch>
-            <a:fillRect/>
-          </a:stretch>
-        </p:blipFill>
-        <p:spPr>
-          <a:xfrm>
-            <a:off x="5714606" y="4076246"/>
-            <a:ext cx="1615818" cy="2781753"/>
+            <a:off x="279412" y="1566514"/>
+            <a:ext cx="11633176" cy="2244395"/>
           </a:xfrm>
           <a:prstGeom prst="rect">
             <a:avLst/>
@@ -5740,7 +5689,7 @@
     </p:spTree>
     <p:extLst>
       <p:ext uri="{BB962C8B-B14F-4D97-AF65-F5344CB8AC3E}">
-        <p14:creationId xmlns:p14="http://schemas.microsoft.com/office/powerpoint/2010/main" val="2026597976"/>
+        <p14:creationId xmlns:p14="http://schemas.microsoft.com/office/powerpoint/2010/main" val="2431170235"/>
       </p:ext>
     </p:extLst>
   </p:cSld>
@@ -5767,47 +5716,12 @@
           <a:chExt cx="0" cy="0"/>
         </a:xfrm>
       </p:grpSpPr>
-      <p:sp>
-        <p:nvSpPr>
-          <p:cNvPr id="2" name="TextBox 1">
+      <p:pic>
+        <p:nvPicPr>
+          <p:cNvPr id="3" name="Picture 2">
             <a:extLst>
               <a:ext uri="{FF2B5EF4-FFF2-40B4-BE49-F238E27FC236}">
-                <a16:creationId xmlns:a16="http://schemas.microsoft.com/office/drawing/2014/main" id="{7773FF0D-D13F-41E0-BFA5-B7CD8E2216C6}"/>
-              </a:ext>
-            </a:extLst>
-          </p:cNvPr>
-          <p:cNvSpPr txBox="1"/>
-          <p:nvPr/>
-        </p:nvSpPr>
-        <p:spPr>
-          <a:xfrm>
-            <a:off x="2986087" y="104775"/>
-            <a:ext cx="6472237" cy="400110"/>
-          </a:xfrm>
-          <a:prstGeom prst="rect">
-            <a:avLst/>
-          </a:prstGeom>
-          <a:noFill/>
-        </p:spPr>
-        <p:txBody>
-          <a:bodyPr wrap="square" rtlCol="0">
-            <a:spAutoFit/>
-          </a:bodyPr>
-          <a:lstStyle/>
-          <a:p>
-            <a:r>
-              <a:rPr lang="en-US" sz="2000" b="1" dirty="0"/>
-              <a:t>Solanum and Brassica genes with opposite results</a:t>
-            </a:r>
-          </a:p>
-        </p:txBody>
-      </p:sp>
-      <p:pic>
-        <p:nvPicPr>
-          <p:cNvPr id="4" name="Picture 3">
-            <a:extLst>
-              <a:ext uri="{FF2B5EF4-FFF2-40B4-BE49-F238E27FC236}">
-                <a16:creationId xmlns:a16="http://schemas.microsoft.com/office/drawing/2014/main" id="{07C7DBEC-4BA5-489B-8ADF-3CC9CE7B5A8E}"/>
+                <a16:creationId xmlns:a16="http://schemas.microsoft.com/office/drawing/2014/main" id="{D79A008B-ED95-4218-8ECF-E34B694A83EB}"/>
               </a:ext>
             </a:extLst>
           </p:cNvPr>
@@ -5824,8 +5738,8 @@
         </p:blipFill>
         <p:spPr>
           <a:xfrm>
-            <a:off x="387724" y="630489"/>
-            <a:ext cx="11416552" cy="2798511"/>
+            <a:off x="2411108" y="949267"/>
+            <a:ext cx="4427842" cy="5803958"/>
           </a:xfrm>
           <a:prstGeom prst="rect">
             <a:avLst/>
@@ -5834,10 +5748,10 @@
       </p:pic>
       <p:sp>
         <p:nvSpPr>
-          <p:cNvPr id="3" name="TextBox 2">
+          <p:cNvPr id="5" name="TextBox 4">
             <a:extLst>
               <a:ext uri="{FF2B5EF4-FFF2-40B4-BE49-F238E27FC236}">
-                <a16:creationId xmlns:a16="http://schemas.microsoft.com/office/drawing/2014/main" id="{C66CC273-363E-4015-AE82-C5CFB2436B07}"/>
+                <a16:creationId xmlns:a16="http://schemas.microsoft.com/office/drawing/2014/main" id="{B506A3AE-7324-4F8F-9518-E2812BB0531A}"/>
               </a:ext>
             </a:extLst>
           </p:cNvPr>
@@ -5846,8 +5760,8 @@
         </p:nvSpPr>
         <p:spPr>
           <a:xfrm>
-            <a:off x="723014" y="3923414"/>
-            <a:ext cx="6560288" cy="923330"/>
+            <a:off x="2247901" y="0"/>
+            <a:ext cx="6252374" cy="400110"/>
           </a:xfrm>
           <a:prstGeom prst="rect">
             <a:avLst/>
@@ -5861,20 +5775,116 @@
           <a:lstStyle/>
           <a:p>
             <a:r>
+              <a:rPr lang="en-US" sz="2000" b="1" dirty="0"/>
+              <a:t>Brassica gene (</a:t>
+            </a:r>
+            <a:r>
+              <a:rPr lang="en-US" sz="2000" b="1" i="1" dirty="0"/>
+              <a:t>UAB31_ARATH</a:t>
+            </a:r>
+            <a:r>
+              <a:rPr lang="en-US" sz="2000" b="1" dirty="0"/>
+              <a:t>) with no amplification</a:t>
+            </a:r>
+          </a:p>
+        </p:txBody>
+      </p:sp>
+      <p:pic>
+        <p:nvPicPr>
+          <p:cNvPr id="6" name="Picture 5">
+            <a:extLst>
+              <a:ext uri="{FF2B5EF4-FFF2-40B4-BE49-F238E27FC236}">
+                <a16:creationId xmlns:a16="http://schemas.microsoft.com/office/drawing/2014/main" id="{915EB355-CFDE-454C-BBBB-EBE4C70114A5}"/>
+              </a:ext>
+            </a:extLst>
+          </p:cNvPr>
+          <p:cNvPicPr>
+            <a:picLocks noChangeAspect="1"/>
+          </p:cNvPicPr>
+          <p:nvPr/>
+        </p:nvPicPr>
+        <p:blipFill>
+          <a:blip r:embed="rId3"/>
+          <a:stretch>
+            <a:fillRect/>
+          </a:stretch>
+        </p:blipFill>
+        <p:spPr>
+          <a:xfrm>
+            <a:off x="8417593" y="1267740"/>
+            <a:ext cx="1688431" cy="2906762"/>
+          </a:xfrm>
+          <a:prstGeom prst="rect">
+            <a:avLst/>
+          </a:prstGeom>
+        </p:spPr>
+      </p:pic>
+      <p:sp>
+        <p:nvSpPr>
+          <p:cNvPr id="2" name="TextBox 1">
+            <a:extLst>
+              <a:ext uri="{FF2B5EF4-FFF2-40B4-BE49-F238E27FC236}">
+                <a16:creationId xmlns:a16="http://schemas.microsoft.com/office/drawing/2014/main" id="{2979946D-B7CD-431B-9CF3-5DD9A2ADDC38}"/>
+              </a:ext>
+            </a:extLst>
+          </p:cNvPr>
+          <p:cNvSpPr txBox="1"/>
+          <p:nvPr/>
+        </p:nvSpPr>
+        <p:spPr>
+          <a:xfrm>
+            <a:off x="3676650" y="485775"/>
+            <a:ext cx="1943100" cy="369332"/>
+          </a:xfrm>
+          <a:prstGeom prst="rect">
+            <a:avLst/>
+          </a:prstGeom>
+          <a:noFill/>
+        </p:spPr>
+        <p:txBody>
+          <a:bodyPr wrap="square" rtlCol="0">
+            <a:spAutoFit/>
+          </a:bodyPr>
+          <a:lstStyle/>
+          <a:p>
+            <a:r>
               <a:rPr lang="en-US" dirty="0"/>
-              <a:t>Out of 27 genes,  6 not validated (Wang et al. 2016)</a:t>
-            </a:r>
-          </a:p>
+              <a:t>qPCR Result</a:t>
+            </a:r>
+          </a:p>
+        </p:txBody>
+      </p:sp>
+      <p:sp>
+        <p:nvSpPr>
+          <p:cNvPr id="8" name="TextBox 7">
+            <a:extLst>
+              <a:ext uri="{FF2B5EF4-FFF2-40B4-BE49-F238E27FC236}">
+                <a16:creationId xmlns:a16="http://schemas.microsoft.com/office/drawing/2014/main" id="{27258816-0172-4268-8E46-442E5839E339}"/>
+              </a:ext>
+            </a:extLst>
+          </p:cNvPr>
+          <p:cNvSpPr txBox="1"/>
+          <p:nvPr/>
+        </p:nvSpPr>
+        <p:spPr>
+          <a:xfrm>
+            <a:off x="7735033" y="898408"/>
+            <a:ext cx="3053550" cy="369332"/>
+          </a:xfrm>
+          <a:prstGeom prst="rect">
+            <a:avLst/>
+          </a:prstGeom>
+          <a:noFill/>
+        </p:spPr>
+        <p:txBody>
+          <a:bodyPr wrap="square" rtlCol="0">
+            <a:spAutoFit/>
+          </a:bodyPr>
+          <a:lstStyle/>
           <a:p>
             <a:r>
               <a:rPr lang="en-US" dirty="0"/>
-              <a:t>14 out of 18 validated (Guo et al 2017)</a:t>
-            </a:r>
-          </a:p>
-          <a:p>
-            <a:r>
-              <a:rPr lang="en-US" dirty="0"/>
-              <a:t> </a:t>
+              <a:t>RNA seq results (raw count)</a:t>
             </a:r>
           </a:p>
         </p:txBody>
@@ -5882,7 +5892,7 @@
     </p:spTree>
     <p:extLst>
       <p:ext uri="{BB962C8B-B14F-4D97-AF65-F5344CB8AC3E}">
-        <p14:creationId xmlns:p14="http://schemas.microsoft.com/office/powerpoint/2010/main" val="2431170235"/>
+        <p14:creationId xmlns:p14="http://schemas.microsoft.com/office/powerpoint/2010/main" val="2026597976"/>
       </p:ext>
     </p:extLst>
   </p:cSld>
@@ -5911,10 +5921,10 @@
       </p:grpSpPr>
       <p:pic>
         <p:nvPicPr>
-          <p:cNvPr id="9" name="Picture 8">
+          <p:cNvPr id="4" name="Picture 3">
             <a:extLst>
               <a:ext uri="{FF2B5EF4-FFF2-40B4-BE49-F238E27FC236}">
-                <a16:creationId xmlns:a16="http://schemas.microsoft.com/office/drawing/2014/main" id="{87CDEB3A-049D-4A63-A7D8-FB54718584A3}"/>
+                <a16:creationId xmlns:a16="http://schemas.microsoft.com/office/drawing/2014/main" id="{FF027FED-8454-4881-B26B-49221ED5B9CA}"/>
               </a:ext>
             </a:extLst>
           </p:cNvPr>
@@ -5931,8 +5941,143 @@
         </p:blipFill>
         <p:spPr>
           <a:xfrm>
-            <a:off x="3024186" y="261937"/>
-            <a:ext cx="7530159" cy="6596063"/>
+            <a:off x="1045442" y="812179"/>
+            <a:ext cx="5050557" cy="5816232"/>
+          </a:xfrm>
+          <a:prstGeom prst="rect">
+            <a:avLst/>
+          </a:prstGeom>
+        </p:spPr>
+      </p:pic>
+      <p:sp>
+        <p:nvSpPr>
+          <p:cNvPr id="5" name="TextBox 4">
+            <a:extLst>
+              <a:ext uri="{FF2B5EF4-FFF2-40B4-BE49-F238E27FC236}">
+                <a16:creationId xmlns:a16="http://schemas.microsoft.com/office/drawing/2014/main" id="{B506A3AE-7324-4F8F-9518-E2812BB0531A}"/>
+              </a:ext>
+            </a:extLst>
+          </p:cNvPr>
+          <p:cNvSpPr txBox="1"/>
+          <p:nvPr/>
+        </p:nvSpPr>
+        <p:spPr>
+          <a:xfrm>
+            <a:off x="3956651" y="29535"/>
+            <a:ext cx="6696076" cy="400110"/>
+          </a:xfrm>
+          <a:prstGeom prst="rect">
+            <a:avLst/>
+          </a:prstGeom>
+          <a:noFill/>
+        </p:spPr>
+        <p:txBody>
+          <a:bodyPr wrap="square" rtlCol="0">
+            <a:spAutoFit/>
+          </a:bodyPr>
+          <a:lstStyle/>
+          <a:p>
+            <a:r>
+              <a:rPr lang="en-US" sz="2000" b="1" dirty="0"/>
+              <a:t>Brassica gene (Cluster-15354.125147) with no amplification</a:t>
+            </a:r>
+          </a:p>
+        </p:txBody>
+      </p:sp>
+      <p:sp>
+        <p:nvSpPr>
+          <p:cNvPr id="2" name="TextBox 1">
+            <a:extLst>
+              <a:ext uri="{FF2B5EF4-FFF2-40B4-BE49-F238E27FC236}">
+                <a16:creationId xmlns:a16="http://schemas.microsoft.com/office/drawing/2014/main" id="{DF9991D9-FE2A-408F-8907-CDE9DDCBB3AF}"/>
+              </a:ext>
+            </a:extLst>
+          </p:cNvPr>
+          <p:cNvSpPr txBox="1"/>
+          <p:nvPr/>
+        </p:nvSpPr>
+        <p:spPr>
+          <a:xfrm>
+            <a:off x="2763906" y="429645"/>
+            <a:ext cx="1447800" cy="369332"/>
+          </a:xfrm>
+          <a:prstGeom prst="rect">
+            <a:avLst/>
+          </a:prstGeom>
+          <a:noFill/>
+        </p:spPr>
+        <p:txBody>
+          <a:bodyPr wrap="square" rtlCol="0">
+            <a:spAutoFit/>
+          </a:bodyPr>
+          <a:lstStyle/>
+          <a:p>
+            <a:r>
+              <a:rPr lang="en-US" dirty="0"/>
+              <a:t>qPCR  result</a:t>
+            </a:r>
+          </a:p>
+        </p:txBody>
+      </p:sp>
+      <p:sp>
+        <p:nvSpPr>
+          <p:cNvPr id="8" name="TextBox 7">
+            <a:extLst>
+              <a:ext uri="{FF2B5EF4-FFF2-40B4-BE49-F238E27FC236}">
+                <a16:creationId xmlns:a16="http://schemas.microsoft.com/office/drawing/2014/main" id="{6A9AE2C9-D76A-41A6-A017-A17947991232}"/>
+              </a:ext>
+            </a:extLst>
+          </p:cNvPr>
+          <p:cNvSpPr txBox="1"/>
+          <p:nvPr/>
+        </p:nvSpPr>
+        <p:spPr>
+          <a:xfrm>
+            <a:off x="8257385" y="1029809"/>
+            <a:ext cx="2314575" cy="369332"/>
+          </a:xfrm>
+          <a:prstGeom prst="rect">
+            <a:avLst/>
+          </a:prstGeom>
+          <a:noFill/>
+        </p:spPr>
+        <p:txBody>
+          <a:bodyPr wrap="square" rtlCol="0">
+            <a:spAutoFit/>
+          </a:bodyPr>
+          <a:lstStyle/>
+          <a:p>
+            <a:r>
+              <a:rPr lang="en-US" dirty="0"/>
+              <a:t>RNA-Seq count data </a:t>
+            </a:r>
+          </a:p>
+        </p:txBody>
+      </p:sp>
+      <p:pic>
+        <p:nvPicPr>
+          <p:cNvPr id="9" name="Picture 8">
+            <a:extLst>
+              <a:ext uri="{FF2B5EF4-FFF2-40B4-BE49-F238E27FC236}">
+                <a16:creationId xmlns:a16="http://schemas.microsoft.com/office/drawing/2014/main" id="{5E3F4752-B2CE-4199-8902-86A240971F87}"/>
+              </a:ext>
+            </a:extLst>
+          </p:cNvPr>
+          <p:cNvPicPr>
+            <a:picLocks noChangeAspect="1"/>
+          </p:cNvPicPr>
+          <p:nvPr/>
+        </p:nvPicPr>
+        <p:blipFill>
+          <a:blip r:embed="rId3"/>
+          <a:stretch>
+            <a:fillRect/>
+          </a:stretch>
+        </p:blipFill>
+        <p:spPr>
+          <a:xfrm>
+            <a:off x="7117166" y="1782500"/>
+            <a:ext cx="4680784" cy="4454231"/>
           </a:xfrm>
           <a:prstGeom prst="rect">
             <a:avLst/>
@@ -5942,7 +6087,7 @@
     </p:spTree>
     <p:extLst>
       <p:ext uri="{BB962C8B-B14F-4D97-AF65-F5344CB8AC3E}">
-        <p14:creationId xmlns:p14="http://schemas.microsoft.com/office/powerpoint/2010/main" val="1322701423"/>
+        <p14:creationId xmlns:p14="http://schemas.microsoft.com/office/powerpoint/2010/main" val="3945243987"/>
       </p:ext>
     </p:extLst>
   </p:cSld>
